--- a/Presentation1.pptx
+++ b/Presentation1.pptx
@@ -290,7 +290,7 @@
           <a:p>
             <a:fld id="{B8B7C1E7-E33C-45B1-BFB6-11E16922883F}" type="datetimeFigureOut">
               <a:rPr lang="en-ZA" smtClean="0"/>
-              <a:t>2017/03/14</a:t>
+              <a:t>2017/06/06</a:t>
             </a:fld>
             <a:endParaRPr lang="en-ZA"/>
           </a:p>
@@ -460,7 +460,7 @@
           <a:p>
             <a:fld id="{B8B7C1E7-E33C-45B1-BFB6-11E16922883F}" type="datetimeFigureOut">
               <a:rPr lang="en-ZA" smtClean="0"/>
-              <a:t>2017/03/14</a:t>
+              <a:t>2017/06/06</a:t>
             </a:fld>
             <a:endParaRPr lang="en-ZA"/>
           </a:p>
@@ -640,7 +640,7 @@
           <a:p>
             <a:fld id="{B8B7C1E7-E33C-45B1-BFB6-11E16922883F}" type="datetimeFigureOut">
               <a:rPr lang="en-ZA" smtClean="0"/>
-              <a:t>2017/03/14</a:t>
+              <a:t>2017/06/06</a:t>
             </a:fld>
             <a:endParaRPr lang="en-ZA"/>
           </a:p>
@@ -810,7 +810,7 @@
           <a:p>
             <a:fld id="{B8B7C1E7-E33C-45B1-BFB6-11E16922883F}" type="datetimeFigureOut">
               <a:rPr lang="en-ZA" smtClean="0"/>
-              <a:t>2017/03/14</a:t>
+              <a:t>2017/06/06</a:t>
             </a:fld>
             <a:endParaRPr lang="en-ZA"/>
           </a:p>
@@ -1056,7 +1056,7 @@
           <a:p>
             <a:fld id="{B8B7C1E7-E33C-45B1-BFB6-11E16922883F}" type="datetimeFigureOut">
               <a:rPr lang="en-ZA" smtClean="0"/>
-              <a:t>2017/03/14</a:t>
+              <a:t>2017/06/06</a:t>
             </a:fld>
             <a:endParaRPr lang="en-ZA"/>
           </a:p>
@@ -1344,7 +1344,7 @@
           <a:p>
             <a:fld id="{B8B7C1E7-E33C-45B1-BFB6-11E16922883F}" type="datetimeFigureOut">
               <a:rPr lang="en-ZA" smtClean="0"/>
-              <a:t>2017/03/14</a:t>
+              <a:t>2017/06/06</a:t>
             </a:fld>
             <a:endParaRPr lang="en-ZA"/>
           </a:p>
@@ -1766,7 +1766,7 @@
           <a:p>
             <a:fld id="{B8B7C1E7-E33C-45B1-BFB6-11E16922883F}" type="datetimeFigureOut">
               <a:rPr lang="en-ZA" smtClean="0"/>
-              <a:t>2017/03/14</a:t>
+              <a:t>2017/06/06</a:t>
             </a:fld>
             <a:endParaRPr lang="en-ZA"/>
           </a:p>
@@ -1884,7 +1884,7 @@
           <a:p>
             <a:fld id="{B8B7C1E7-E33C-45B1-BFB6-11E16922883F}" type="datetimeFigureOut">
               <a:rPr lang="en-ZA" smtClean="0"/>
-              <a:t>2017/03/14</a:t>
+              <a:t>2017/06/06</a:t>
             </a:fld>
             <a:endParaRPr lang="en-ZA"/>
           </a:p>
@@ -1979,7 +1979,7 @@
           <a:p>
             <a:fld id="{B8B7C1E7-E33C-45B1-BFB6-11E16922883F}" type="datetimeFigureOut">
               <a:rPr lang="en-ZA" smtClean="0"/>
-              <a:t>2017/03/14</a:t>
+              <a:t>2017/06/06</a:t>
             </a:fld>
             <a:endParaRPr lang="en-ZA"/>
           </a:p>
@@ -2256,7 +2256,7 @@
           <a:p>
             <a:fld id="{B8B7C1E7-E33C-45B1-BFB6-11E16922883F}" type="datetimeFigureOut">
               <a:rPr lang="en-ZA" smtClean="0"/>
-              <a:t>2017/03/14</a:t>
+              <a:t>2017/06/06</a:t>
             </a:fld>
             <a:endParaRPr lang="en-ZA"/>
           </a:p>
@@ -2509,7 +2509,7 @@
           <a:p>
             <a:fld id="{B8B7C1E7-E33C-45B1-BFB6-11E16922883F}" type="datetimeFigureOut">
               <a:rPr lang="en-ZA" smtClean="0"/>
-              <a:t>2017/03/14</a:t>
+              <a:t>2017/06/06</a:t>
             </a:fld>
             <a:endParaRPr lang="en-ZA"/>
           </a:p>
@@ -2722,7 +2722,7 @@
           <a:p>
             <a:fld id="{B8B7C1E7-E33C-45B1-BFB6-11E16922883F}" type="datetimeFigureOut">
               <a:rPr lang="en-ZA" smtClean="0"/>
-              <a:t>2017/03/14</a:t>
+              <a:t>2017/06/06</a:t>
             </a:fld>
             <a:endParaRPr lang="en-ZA"/>
           </a:p>
@@ -3112,7 +3112,11 @@
           <a:bodyPr/>
           <a:lstStyle/>
           <a:p>
-            <a:endParaRPr lang="en-ZA"/>
+            <a:r>
+              <a:rPr lang="en-ZA" dirty="0" smtClean="0"/>
+              <a:t>Test Presentation</a:t>
+            </a:r>
+            <a:endParaRPr lang="en-ZA" dirty="0"/>
           </a:p>
         </p:txBody>
       </p:sp>
@@ -3131,6 +3135,16 @@
           <a:bodyPr/>
           <a:lstStyle/>
           <a:p>
+            <a:r>
+              <a:rPr lang="en-ZA" dirty="0" smtClean="0"/>
+              <a:t>Jonathan Winnaar</a:t>
+            </a:r>
+          </a:p>
+          <a:p>
+            <a:r>
+              <a:rPr lang="en-ZA" smtClean="0"/>
+              <a:t>6/6/2017</a:t>
+            </a:r>
             <a:endParaRPr lang="en-ZA"/>
           </a:p>
         </p:txBody>
